--- a/materials/slides/ch03-7.pptx
+++ b/materials/slides/ch03-7.pptx
@@ -10591,7 +10591,7 @@
             </a:r>
             <a:r>
               <a:rPr lang="zh-CN" altLang="en-US" sz="2400" dirty="0" smtClean="0"/>
-              <a:t>小节“合同类型”；</a:t>
+              <a:t>小节“合同类型”</a:t>
             </a:r>
             <a:endParaRPr lang="zh-CN" altLang="en-US" sz="2400" dirty="0"/>
           </a:p>
@@ -11120,7 +11120,13 @@
             </a:r>
             <a:r>
               <a:rPr lang="zh-CN" altLang="en-US" sz="2000" dirty="0" smtClean="0"/>
-              <a:t>）</a:t>
+              <a:t>），</a:t>
+            </a:r>
+            <a:r>
+              <a:rPr lang="zh-CN" altLang="en-US" sz="2000" dirty="0" smtClean="0">
+                <a:sym typeface="+mn-ea"/>
+              </a:rPr>
+              <a:t>因合同履行不好而导致的任何成本增加都由卖方负责，买方必须准确定义要采购的产品或服务，如果范围变更通常会导致合同价格提高</a:t>
             </a:r>
             <a:endParaRPr lang="en-US" altLang="zh-CN" sz="2000" dirty="0" smtClean="0"/>
           </a:p>
@@ -11136,7 +11142,17 @@
             </a:r>
             <a:r>
               <a:rPr lang="zh-CN" altLang="en-US" sz="2000" dirty="0" smtClean="0"/>
-              <a:t>），例如提前</a:t>
+              <a:t>），</a:t>
+            </a:r>
+            <a:r>
+              <a:rPr lang="zh-CN" altLang="en-US" sz="2000" dirty="0" smtClean="0">
+                <a:sym typeface="+mn-ea"/>
+              </a:rPr>
+              <a:t>实现既定目标给予账务奖励。</a:t>
+            </a:r>
+            <a:r>
+              <a:rPr lang="zh-CN" altLang="en-US" sz="2000" dirty="0" smtClean="0"/>
+              <a:t>例如提前</a:t>
             </a:r>
             <a:r>
               <a:rPr lang="en-US" altLang="zh-CN" sz="2000" dirty="0" smtClean="0"/>
@@ -11168,7 +11184,13 @@
             </a:r>
             <a:r>
               <a:rPr lang="zh-CN" altLang="en-US" sz="2000" dirty="0" smtClean="0"/>
-              <a:t>），适用于持续周期较长的采购</a:t>
+              <a:t>），适用于持续周期较长的采购，</a:t>
+            </a:r>
+            <a:r>
+              <a:rPr lang="zh-CN" altLang="en-US" sz="2000" dirty="0" smtClean="0">
+                <a:sym typeface="+mn-ea"/>
+              </a:rPr>
+              <a:t>允许根据条件变化（如通货膨胀、特殊商品的成本变化），以事先确定的方式对合同价格进行调整，适用于卖方履约要跨越相当长的周期（数年），或买卖双方之间要维持多种长期关系</a:t>
             </a:r>
             <a:endParaRPr lang="en-US" altLang="zh-CN" sz="2000" dirty="0" smtClean="0"/>
           </a:p>
@@ -11744,9 +11766,15 @@
             </a:r>
             <a:r>
               <a:rPr lang="zh-CN" altLang="en-US" sz="2000" dirty="0" smtClean="0"/>
-              <a:t>）</a:t>
-            </a:r>
-            <a:endParaRPr lang="en-US" altLang="zh-CN" sz="2000" dirty="0" smtClean="0"/>
+              <a:t>），</a:t>
+            </a:r>
+            <a:r>
+              <a:rPr lang="zh-CN" altLang="en-US" sz="2000" dirty="0" smtClean="0">
+                <a:sym typeface="+mn-ea"/>
+              </a:rPr>
+              <a:t>总付款 = 实际成本+目标利润-（实际成本-目标成本）* 卖方分配比例</a:t>
+            </a:r>
+            <a:endParaRPr lang="zh-CN" altLang="en-US" sz="2000" dirty="0" smtClean="0"/>
           </a:p>
           <a:p>
             <a:pPr lvl="2"/>
@@ -11772,7 +11800,19 @@
             </a:r>
             <a:r>
               <a:rPr lang="en-US" altLang="zh-CN" sz="2000" dirty="0" smtClean="0"/>
-              <a:t>80/20</a:t>
+              <a:t>80</a:t>
+            </a:r>
+            <a:r>
+              <a:rPr lang="zh-CN" altLang="en-US" sz="2000" dirty="0" smtClean="0"/>
+              <a:t>（买）</a:t>
+            </a:r>
+            <a:r>
+              <a:rPr lang="en-US" altLang="zh-CN" sz="2000" dirty="0" smtClean="0"/>
+              <a:t>/20</a:t>
+            </a:r>
+            <a:r>
+              <a:rPr lang="zh-CN" altLang="en-US" sz="2000" dirty="0" smtClean="0"/>
+              <a:t>（卖）</a:t>
             </a:r>
             <a:endParaRPr lang="en-US" altLang="zh-CN" sz="2000" dirty="0" smtClean="0"/>
           </a:p>
@@ -15034,219 +15074,9 @@
   <p:timing>
     <p:tnLst>
       <p:par>
-        <p:cTn id="1" dur="indefinite" restart="never" nodeType="tmRoot">
-          <p:childTnLst>
-            <p:seq concurrent="1" nextAc="seek">
-              <p:cTn id="2" dur="indefinite" nodeType="mainSeq">
-                <p:childTnLst>
-                  <p:par>
-                    <p:cTn id="3" fill="hold">
-                      <p:stCondLst>
-                        <p:cond delay="indefinite"/>
-                      </p:stCondLst>
-                      <p:childTnLst>
-                        <p:par>
-                          <p:cTn id="4" fill="hold">
-                            <p:stCondLst>
-                              <p:cond delay="0"/>
-                            </p:stCondLst>
-                            <p:childTnLst>
-                              <p:par>
-                                <p:cTn id="5" presetID="2" presetClass="entr" presetSubtype="4" fill="hold" grpId="0" nodeType="clickEffect">
-                                  <p:stCondLst>
-                                    <p:cond delay="0"/>
-                                  </p:stCondLst>
-                                  <p:childTnLst>
-                                    <p:set>
-                                      <p:cBhvr>
-                                        <p:cTn id="6" dur="1" fill="hold">
-                                          <p:stCondLst>
-                                            <p:cond delay="0"/>
-                                          </p:stCondLst>
-                                        </p:cTn>
-                                        <p:tgtEl>
-                                          <p:spTgt spid="7"/>
-                                        </p:tgtEl>
-                                        <p:attrNameLst>
-                                          <p:attrName>style.visibility</p:attrName>
-                                        </p:attrNameLst>
-                                      </p:cBhvr>
-                                      <p:to>
-                                        <p:strVal val="visible"/>
-                                      </p:to>
-                                    </p:set>
-                                    <p:anim calcmode="lin" valueType="num">
-                                      <p:cBhvr additive="base">
-                                        <p:cTn id="7" dur="500" fill="hold"/>
-                                        <p:tgtEl>
-                                          <p:spTgt spid="7"/>
-                                        </p:tgtEl>
-                                        <p:attrNameLst>
-                                          <p:attrName>ppt_x</p:attrName>
-                                        </p:attrNameLst>
-                                      </p:cBhvr>
-                                      <p:tavLst>
-                                        <p:tav tm="0">
-                                          <p:val>
-                                            <p:strVal val="#ppt_x"/>
-                                          </p:val>
-                                        </p:tav>
-                                        <p:tav tm="100000">
-                                          <p:val>
-                                            <p:strVal val="#ppt_x"/>
-                                          </p:val>
-                                        </p:tav>
-                                      </p:tavLst>
-                                    </p:anim>
-                                    <p:anim calcmode="lin" valueType="num">
-                                      <p:cBhvr additive="base">
-                                        <p:cTn id="8" dur="500" fill="hold"/>
-                                        <p:tgtEl>
-                                          <p:spTgt spid="7"/>
-                                        </p:tgtEl>
-                                        <p:attrNameLst>
-                                          <p:attrName>ppt_y</p:attrName>
-                                        </p:attrNameLst>
-                                      </p:cBhvr>
-                                      <p:tavLst>
-                                        <p:tav tm="0">
-                                          <p:val>
-                                            <p:strVal val="1+#ppt_h/2"/>
-                                          </p:val>
-                                        </p:tav>
-                                        <p:tav tm="100000">
-                                          <p:val>
-                                            <p:strVal val="#ppt_y"/>
-                                          </p:val>
-                                        </p:tav>
-                                      </p:tavLst>
-                                    </p:anim>
-                                  </p:childTnLst>
-                                </p:cTn>
-                              </p:par>
-                            </p:childTnLst>
-                          </p:cTn>
-                        </p:par>
-                      </p:childTnLst>
-                    </p:cTn>
-                  </p:par>
-                  <p:par>
-                    <p:cTn id="9" fill="hold">
-                      <p:stCondLst>
-                        <p:cond delay="indefinite"/>
-                      </p:stCondLst>
-                      <p:childTnLst>
-                        <p:par>
-                          <p:cTn id="10" fill="hold">
-                            <p:stCondLst>
-                              <p:cond delay="0"/>
-                            </p:stCondLst>
-                            <p:childTnLst>
-                              <p:par>
-                                <p:cTn id="11" presetID="2" presetClass="entr" presetSubtype="4" fill="hold" nodeType="clickEffect">
-                                  <p:stCondLst>
-                                    <p:cond delay="0"/>
-                                  </p:stCondLst>
-                                  <p:childTnLst>
-                                    <p:set>
-                                      <p:cBhvr>
-                                        <p:cTn id="12" dur="1" fill="hold">
-                                          <p:stCondLst>
-                                            <p:cond delay="0"/>
-                                          </p:stCondLst>
-                                        </p:cTn>
-                                        <p:tgtEl>
-                                          <p:spTgt spid="8"/>
-                                        </p:tgtEl>
-                                        <p:attrNameLst>
-                                          <p:attrName>style.visibility</p:attrName>
-                                        </p:attrNameLst>
-                                      </p:cBhvr>
-                                      <p:to>
-                                        <p:strVal val="visible"/>
-                                      </p:to>
-                                    </p:set>
-                                    <p:anim calcmode="lin" valueType="num">
-                                      <p:cBhvr additive="base">
-                                        <p:cTn id="13" dur="500" fill="hold"/>
-                                        <p:tgtEl>
-                                          <p:spTgt spid="8"/>
-                                        </p:tgtEl>
-                                        <p:attrNameLst>
-                                          <p:attrName>ppt_x</p:attrName>
-                                        </p:attrNameLst>
-                                      </p:cBhvr>
-                                      <p:tavLst>
-                                        <p:tav tm="0">
-                                          <p:val>
-                                            <p:strVal val="#ppt_x"/>
-                                          </p:val>
-                                        </p:tav>
-                                        <p:tav tm="100000">
-                                          <p:val>
-                                            <p:strVal val="#ppt_x"/>
-                                          </p:val>
-                                        </p:tav>
-                                      </p:tavLst>
-                                    </p:anim>
-                                    <p:anim calcmode="lin" valueType="num">
-                                      <p:cBhvr additive="base">
-                                        <p:cTn id="14" dur="500" fill="hold"/>
-                                        <p:tgtEl>
-                                          <p:spTgt spid="8"/>
-                                        </p:tgtEl>
-                                        <p:attrNameLst>
-                                          <p:attrName>ppt_y</p:attrName>
-                                        </p:attrNameLst>
-                                      </p:cBhvr>
-                                      <p:tavLst>
-                                        <p:tav tm="0">
-                                          <p:val>
-                                            <p:strVal val="1+#ppt_h/2"/>
-                                          </p:val>
-                                        </p:tav>
-                                        <p:tav tm="100000">
-                                          <p:val>
-                                            <p:strVal val="#ppt_y"/>
-                                          </p:val>
-                                        </p:tav>
-                                      </p:tavLst>
-                                    </p:anim>
-                                  </p:childTnLst>
-                                </p:cTn>
-                              </p:par>
-                            </p:childTnLst>
-                          </p:cTn>
-                        </p:par>
-                      </p:childTnLst>
-                    </p:cTn>
-                  </p:par>
-                </p:childTnLst>
-              </p:cTn>
-              <p:prevCondLst>
-                <p:cond evt="onPrev" delay="0">
-                  <p:tgtEl>
-                    <p:sldTgt/>
-                  </p:tgtEl>
-                </p:cond>
-              </p:prevCondLst>
-              <p:nextCondLst>
-                <p:cond evt="onNext" delay="0">
-                  <p:tgtEl>
-                    <p:sldTgt/>
-                  </p:tgtEl>
-                </p:cond>
-              </p:nextCondLst>
-            </p:seq>
-          </p:childTnLst>
-        </p:cTn>
+        <p:cTn id="1" dur="indefinite" restart="never" nodeType="tmRoot"/>
       </p:par>
     </p:tnLst>
-    <p:bldLst>
-      <p:bldGraphic spid="7" grpId="0">
-        <p:bldAsOne/>
-      </p:bldGraphic>
-    </p:bldLst>
   </p:timing>
 </p:sld>
 </file>
@@ -16825,1212 +16655,9 @@
   <p:timing>
     <p:tnLst>
       <p:par>
-        <p:cTn id="1" dur="indefinite" restart="never" nodeType="tmRoot">
-          <p:childTnLst>
-            <p:seq concurrent="1" nextAc="seek">
-              <p:cTn id="2" dur="indefinite" nodeType="mainSeq">
-                <p:childTnLst>
-                  <p:par>
-                    <p:cTn id="3" fill="hold">
-                      <p:stCondLst>
-                        <p:cond delay="indefinite"/>
-                      </p:stCondLst>
-                      <p:childTnLst>
-                        <p:par>
-                          <p:cTn id="4" fill="hold">
-                            <p:stCondLst>
-                              <p:cond delay="0"/>
-                            </p:stCondLst>
-                            <p:childTnLst>
-                              <p:par>
-                                <p:cTn id="5" presetID="3" presetClass="entr" presetSubtype="10" fill="hold" grpId="0" nodeType="clickEffect">
-                                  <p:stCondLst>
-                                    <p:cond delay="0"/>
-                                  </p:stCondLst>
-                                  <p:childTnLst>
-                                    <p:set>
-                                      <p:cBhvr>
-                                        <p:cTn id="6" dur="1" fill="hold">
-                                          <p:stCondLst>
-                                            <p:cond delay="0"/>
-                                          </p:stCondLst>
-                                        </p:cTn>
-                                        <p:tgtEl>
-                                          <p:spTgt spid="6"/>
-                                        </p:tgtEl>
-                                        <p:attrNameLst>
-                                          <p:attrName>style.visibility</p:attrName>
-                                        </p:attrNameLst>
-                                      </p:cBhvr>
-                                      <p:to>
-                                        <p:strVal val="visible"/>
-                                      </p:to>
-                                    </p:set>
-                                    <p:animEffect transition="in" filter="blinds(horizontal)">
-                                      <p:cBhvr>
-                                        <p:cTn id="7" dur="500"/>
-                                        <p:tgtEl>
-                                          <p:spTgt spid="6"/>
-                                        </p:tgtEl>
-                                      </p:cBhvr>
-                                    </p:animEffect>
-                                  </p:childTnLst>
-                                </p:cTn>
-                              </p:par>
-                            </p:childTnLst>
-                          </p:cTn>
-                        </p:par>
-                      </p:childTnLst>
-                    </p:cTn>
-                  </p:par>
-                  <p:par>
-                    <p:cTn id="8" fill="hold">
-                      <p:stCondLst>
-                        <p:cond delay="indefinite"/>
-                      </p:stCondLst>
-                      <p:childTnLst>
-                        <p:par>
-                          <p:cTn id="9" fill="hold">
-                            <p:stCondLst>
-                              <p:cond delay="0"/>
-                            </p:stCondLst>
-                            <p:childTnLst>
-                              <p:par>
-                                <p:cTn id="10" presetID="3" presetClass="entr" presetSubtype="10" fill="hold" nodeType="clickEffect">
-                                  <p:stCondLst>
-                                    <p:cond delay="0"/>
-                                  </p:stCondLst>
-                                  <p:childTnLst>
-                                    <p:set>
-                                      <p:cBhvr>
-                                        <p:cTn id="11" dur="1" fill="hold">
-                                          <p:stCondLst>
-                                            <p:cond delay="0"/>
-                                          </p:stCondLst>
-                                        </p:cTn>
-                                        <p:tgtEl>
-                                          <p:spTgt spid="18"/>
-                                        </p:tgtEl>
-                                        <p:attrNameLst>
-                                          <p:attrName>style.visibility</p:attrName>
-                                        </p:attrNameLst>
-                                      </p:cBhvr>
-                                      <p:to>
-                                        <p:strVal val="visible"/>
-                                      </p:to>
-                                    </p:set>
-                                    <p:animEffect transition="in" filter="blinds(horizontal)">
-                                      <p:cBhvr>
-                                        <p:cTn id="12" dur="500"/>
-                                        <p:tgtEl>
-                                          <p:spTgt spid="18"/>
-                                        </p:tgtEl>
-                                      </p:cBhvr>
-                                    </p:animEffect>
-                                  </p:childTnLst>
-                                </p:cTn>
-                              </p:par>
-                              <p:par>
-                                <p:cTn id="13" presetID="3" presetClass="entr" presetSubtype="10" fill="hold" grpId="0" nodeType="withEffect">
-                                  <p:stCondLst>
-                                    <p:cond delay="0"/>
-                                  </p:stCondLst>
-                                  <p:childTnLst>
-                                    <p:set>
-                                      <p:cBhvr>
-                                        <p:cTn id="14" dur="1" fill="hold">
-                                          <p:stCondLst>
-                                            <p:cond delay="0"/>
-                                          </p:stCondLst>
-                                        </p:cTn>
-                                        <p:tgtEl>
-                                          <p:spTgt spid="7"/>
-                                        </p:tgtEl>
-                                        <p:attrNameLst>
-                                          <p:attrName>style.visibility</p:attrName>
-                                        </p:attrNameLst>
-                                      </p:cBhvr>
-                                      <p:to>
-                                        <p:strVal val="visible"/>
-                                      </p:to>
-                                    </p:set>
-                                    <p:animEffect transition="in" filter="blinds(horizontal)">
-                                      <p:cBhvr>
-                                        <p:cTn id="15" dur="500"/>
-                                        <p:tgtEl>
-                                          <p:spTgt spid="7"/>
-                                        </p:tgtEl>
-                                      </p:cBhvr>
-                                    </p:animEffect>
-                                  </p:childTnLst>
-                                </p:cTn>
-                              </p:par>
-                            </p:childTnLst>
-                          </p:cTn>
-                        </p:par>
-                      </p:childTnLst>
-                    </p:cTn>
-                  </p:par>
-                  <p:par>
-                    <p:cTn id="16" fill="hold">
-                      <p:stCondLst>
-                        <p:cond delay="indefinite"/>
-                      </p:stCondLst>
-                      <p:childTnLst>
-                        <p:par>
-                          <p:cTn id="17" fill="hold">
-                            <p:stCondLst>
-                              <p:cond delay="0"/>
-                            </p:stCondLst>
-                            <p:childTnLst>
-                              <p:par>
-                                <p:cTn id="18" presetID="3" presetClass="entr" presetSubtype="10" fill="hold" nodeType="clickEffect">
-                                  <p:stCondLst>
-                                    <p:cond delay="0"/>
-                                  </p:stCondLst>
-                                  <p:childTnLst>
-                                    <p:set>
-                                      <p:cBhvr>
-                                        <p:cTn id="19" dur="1" fill="hold">
-                                          <p:stCondLst>
-                                            <p:cond delay="0"/>
-                                          </p:stCondLst>
-                                        </p:cTn>
-                                        <p:tgtEl>
-                                          <p:spTgt spid="20"/>
-                                        </p:tgtEl>
-                                        <p:attrNameLst>
-                                          <p:attrName>style.visibility</p:attrName>
-                                        </p:attrNameLst>
-                                      </p:cBhvr>
-                                      <p:to>
-                                        <p:strVal val="visible"/>
-                                      </p:to>
-                                    </p:set>
-                                    <p:animEffect transition="in" filter="blinds(horizontal)">
-                                      <p:cBhvr>
-                                        <p:cTn id="20" dur="500"/>
-                                        <p:tgtEl>
-                                          <p:spTgt spid="20"/>
-                                        </p:tgtEl>
-                                      </p:cBhvr>
-                                    </p:animEffect>
-                                  </p:childTnLst>
-                                </p:cTn>
-                              </p:par>
-                              <p:par>
-                                <p:cTn id="21" presetID="3" presetClass="entr" presetSubtype="10" fill="hold" grpId="0" nodeType="withEffect">
-                                  <p:stCondLst>
-                                    <p:cond delay="0"/>
-                                  </p:stCondLst>
-                                  <p:childTnLst>
-                                    <p:set>
-                                      <p:cBhvr>
-                                        <p:cTn id="22" dur="1" fill="hold">
-                                          <p:stCondLst>
-                                            <p:cond delay="0"/>
-                                          </p:stCondLst>
-                                        </p:cTn>
-                                        <p:tgtEl>
-                                          <p:spTgt spid="8"/>
-                                        </p:tgtEl>
-                                        <p:attrNameLst>
-                                          <p:attrName>style.visibility</p:attrName>
-                                        </p:attrNameLst>
-                                      </p:cBhvr>
-                                      <p:to>
-                                        <p:strVal val="visible"/>
-                                      </p:to>
-                                    </p:set>
-                                    <p:animEffect transition="in" filter="blinds(horizontal)">
-                                      <p:cBhvr>
-                                        <p:cTn id="23" dur="500"/>
-                                        <p:tgtEl>
-                                          <p:spTgt spid="8"/>
-                                        </p:tgtEl>
-                                      </p:cBhvr>
-                                    </p:animEffect>
-                                  </p:childTnLst>
-                                </p:cTn>
-                              </p:par>
-                            </p:childTnLst>
-                          </p:cTn>
-                        </p:par>
-                      </p:childTnLst>
-                    </p:cTn>
-                  </p:par>
-                  <p:par>
-                    <p:cTn id="24" fill="hold">
-                      <p:stCondLst>
-                        <p:cond delay="indefinite"/>
-                      </p:stCondLst>
-                      <p:childTnLst>
-                        <p:par>
-                          <p:cTn id="25" fill="hold">
-                            <p:stCondLst>
-                              <p:cond delay="0"/>
-                            </p:stCondLst>
-                            <p:childTnLst>
-                              <p:par>
-                                <p:cTn id="26" presetID="3" presetClass="entr" presetSubtype="10" fill="hold" nodeType="clickEffect">
-                                  <p:stCondLst>
-                                    <p:cond delay="0"/>
-                                  </p:stCondLst>
-                                  <p:childTnLst>
-                                    <p:set>
-                                      <p:cBhvr>
-                                        <p:cTn id="27" dur="1" fill="hold">
-                                          <p:stCondLst>
-                                            <p:cond delay="0"/>
-                                          </p:stCondLst>
-                                        </p:cTn>
-                                        <p:tgtEl>
-                                          <p:spTgt spid="22"/>
-                                        </p:tgtEl>
-                                        <p:attrNameLst>
-                                          <p:attrName>style.visibility</p:attrName>
-                                        </p:attrNameLst>
-                                      </p:cBhvr>
-                                      <p:to>
-                                        <p:strVal val="visible"/>
-                                      </p:to>
-                                    </p:set>
-                                    <p:animEffect transition="in" filter="blinds(horizontal)">
-                                      <p:cBhvr>
-                                        <p:cTn id="28" dur="500"/>
-                                        <p:tgtEl>
-                                          <p:spTgt spid="22"/>
-                                        </p:tgtEl>
-                                      </p:cBhvr>
-                                    </p:animEffect>
-                                  </p:childTnLst>
-                                </p:cTn>
-                              </p:par>
-                              <p:par>
-                                <p:cTn id="29" presetID="3" presetClass="entr" presetSubtype="10" fill="hold" grpId="0" nodeType="withEffect">
-                                  <p:stCondLst>
-                                    <p:cond delay="0"/>
-                                  </p:stCondLst>
-                                  <p:childTnLst>
-                                    <p:set>
-                                      <p:cBhvr>
-                                        <p:cTn id="30" dur="1" fill="hold">
-                                          <p:stCondLst>
-                                            <p:cond delay="0"/>
-                                          </p:stCondLst>
-                                        </p:cTn>
-                                        <p:tgtEl>
-                                          <p:spTgt spid="9"/>
-                                        </p:tgtEl>
-                                        <p:attrNameLst>
-                                          <p:attrName>style.visibility</p:attrName>
-                                        </p:attrNameLst>
-                                      </p:cBhvr>
-                                      <p:to>
-                                        <p:strVal val="visible"/>
-                                      </p:to>
-                                    </p:set>
-                                    <p:animEffect transition="in" filter="blinds(horizontal)">
-                                      <p:cBhvr>
-                                        <p:cTn id="31" dur="500"/>
-                                        <p:tgtEl>
-                                          <p:spTgt spid="9"/>
-                                        </p:tgtEl>
-                                      </p:cBhvr>
-                                    </p:animEffect>
-                                  </p:childTnLst>
-                                </p:cTn>
-                              </p:par>
-                            </p:childTnLst>
-                          </p:cTn>
-                        </p:par>
-                      </p:childTnLst>
-                    </p:cTn>
-                  </p:par>
-                  <p:par>
-                    <p:cTn id="32" fill="hold">
-                      <p:stCondLst>
-                        <p:cond delay="indefinite"/>
-                      </p:stCondLst>
-                      <p:childTnLst>
-                        <p:par>
-                          <p:cTn id="33" fill="hold">
-                            <p:stCondLst>
-                              <p:cond delay="0"/>
-                            </p:stCondLst>
-                            <p:childTnLst>
-                              <p:par>
-                                <p:cTn id="34" presetID="3" presetClass="entr" presetSubtype="10" fill="hold" nodeType="clickEffect">
-                                  <p:stCondLst>
-                                    <p:cond delay="0"/>
-                                  </p:stCondLst>
-                                  <p:childTnLst>
-                                    <p:set>
-                                      <p:cBhvr>
-                                        <p:cTn id="35" dur="1" fill="hold">
-                                          <p:stCondLst>
-                                            <p:cond delay="0"/>
-                                          </p:stCondLst>
-                                        </p:cTn>
-                                        <p:tgtEl>
-                                          <p:spTgt spid="24"/>
-                                        </p:tgtEl>
-                                        <p:attrNameLst>
-                                          <p:attrName>style.visibility</p:attrName>
-                                        </p:attrNameLst>
-                                      </p:cBhvr>
-                                      <p:to>
-                                        <p:strVal val="visible"/>
-                                      </p:to>
-                                    </p:set>
-                                    <p:animEffect transition="in" filter="blinds(horizontal)">
-                                      <p:cBhvr>
-                                        <p:cTn id="36" dur="500"/>
-                                        <p:tgtEl>
-                                          <p:spTgt spid="24"/>
-                                        </p:tgtEl>
-                                      </p:cBhvr>
-                                    </p:animEffect>
-                                  </p:childTnLst>
-                                </p:cTn>
-                              </p:par>
-                              <p:par>
-                                <p:cTn id="37" presetID="3" presetClass="entr" presetSubtype="10" fill="hold" nodeType="withEffect">
-                                  <p:stCondLst>
-                                    <p:cond delay="0"/>
-                                  </p:stCondLst>
-                                  <p:childTnLst>
-                                    <p:set>
-                                      <p:cBhvr>
-                                        <p:cTn id="38" dur="1" fill="hold">
-                                          <p:stCondLst>
-                                            <p:cond delay="0"/>
-                                          </p:stCondLst>
-                                        </p:cTn>
-                                        <p:tgtEl>
-                                          <p:spTgt spid="26"/>
-                                        </p:tgtEl>
-                                        <p:attrNameLst>
-                                          <p:attrName>style.visibility</p:attrName>
-                                        </p:attrNameLst>
-                                      </p:cBhvr>
-                                      <p:to>
-                                        <p:strVal val="visible"/>
-                                      </p:to>
-                                    </p:set>
-                                    <p:animEffect transition="in" filter="blinds(horizontal)">
-                                      <p:cBhvr>
-                                        <p:cTn id="39" dur="500"/>
-                                        <p:tgtEl>
-                                          <p:spTgt spid="26"/>
-                                        </p:tgtEl>
-                                      </p:cBhvr>
-                                    </p:animEffect>
-                                  </p:childTnLst>
-                                </p:cTn>
-                              </p:par>
-                              <p:par>
-                                <p:cTn id="40" presetID="3" presetClass="entr" presetSubtype="10" fill="hold" nodeType="withEffect">
-                                  <p:stCondLst>
-                                    <p:cond delay="0"/>
-                                  </p:stCondLst>
-                                  <p:childTnLst>
-                                    <p:set>
-                                      <p:cBhvr>
-                                        <p:cTn id="41" dur="1" fill="hold">
-                                          <p:stCondLst>
-                                            <p:cond delay="0"/>
-                                          </p:stCondLst>
-                                        </p:cTn>
-                                        <p:tgtEl>
-                                          <p:spTgt spid="30"/>
-                                        </p:tgtEl>
-                                        <p:attrNameLst>
-                                          <p:attrName>style.visibility</p:attrName>
-                                        </p:attrNameLst>
-                                      </p:cBhvr>
-                                      <p:to>
-                                        <p:strVal val="visible"/>
-                                      </p:to>
-                                    </p:set>
-                                    <p:animEffect transition="in" filter="blinds(horizontal)">
-                                      <p:cBhvr>
-                                        <p:cTn id="42" dur="500"/>
-                                        <p:tgtEl>
-                                          <p:spTgt spid="30"/>
-                                        </p:tgtEl>
-                                      </p:cBhvr>
-                                    </p:animEffect>
-                                  </p:childTnLst>
-                                </p:cTn>
-                              </p:par>
-                              <p:par>
-                                <p:cTn id="43" presetID="3" presetClass="entr" presetSubtype="10" fill="hold" grpId="0" nodeType="withEffect">
-                                  <p:stCondLst>
-                                    <p:cond delay="0"/>
-                                  </p:stCondLst>
-                                  <p:childTnLst>
-                                    <p:set>
-                                      <p:cBhvr>
-                                        <p:cTn id="44" dur="1" fill="hold">
-                                          <p:stCondLst>
-                                            <p:cond delay="0"/>
-                                          </p:stCondLst>
-                                        </p:cTn>
-                                        <p:tgtEl>
-                                          <p:spTgt spid="10"/>
-                                        </p:tgtEl>
-                                        <p:attrNameLst>
-                                          <p:attrName>style.visibility</p:attrName>
-                                        </p:attrNameLst>
-                                      </p:cBhvr>
-                                      <p:to>
-                                        <p:strVal val="visible"/>
-                                      </p:to>
-                                    </p:set>
-                                    <p:animEffect transition="in" filter="blinds(horizontal)">
-                                      <p:cBhvr>
-                                        <p:cTn id="45" dur="500"/>
-                                        <p:tgtEl>
-                                          <p:spTgt spid="10"/>
-                                        </p:tgtEl>
-                                      </p:cBhvr>
-                                    </p:animEffect>
-                                  </p:childTnLst>
-                                </p:cTn>
-                              </p:par>
-                            </p:childTnLst>
-                          </p:cTn>
-                        </p:par>
-                      </p:childTnLst>
-                    </p:cTn>
-                  </p:par>
-                  <p:par>
-                    <p:cTn id="46" fill="hold">
-                      <p:stCondLst>
-                        <p:cond delay="indefinite"/>
-                      </p:stCondLst>
-                      <p:childTnLst>
-                        <p:par>
-                          <p:cTn id="47" fill="hold">
-                            <p:stCondLst>
-                              <p:cond delay="0"/>
-                            </p:stCondLst>
-                            <p:childTnLst>
-                              <p:par>
-                                <p:cTn id="48" presetID="3" presetClass="entr" presetSubtype="10" fill="hold" nodeType="clickEffect">
-                                  <p:stCondLst>
-                                    <p:cond delay="0"/>
-                                  </p:stCondLst>
-                                  <p:childTnLst>
-                                    <p:set>
-                                      <p:cBhvr>
-                                        <p:cTn id="49" dur="1" fill="hold">
-                                          <p:stCondLst>
-                                            <p:cond delay="0"/>
-                                          </p:stCondLst>
-                                        </p:cTn>
-                                        <p:tgtEl>
-                                          <p:spTgt spid="32"/>
-                                        </p:tgtEl>
-                                        <p:attrNameLst>
-                                          <p:attrName>style.visibility</p:attrName>
-                                        </p:attrNameLst>
-                                      </p:cBhvr>
-                                      <p:to>
-                                        <p:strVal val="visible"/>
-                                      </p:to>
-                                    </p:set>
-                                    <p:animEffect transition="in" filter="blinds(horizontal)">
-                                      <p:cBhvr>
-                                        <p:cTn id="50" dur="500"/>
-                                        <p:tgtEl>
-                                          <p:spTgt spid="32"/>
-                                        </p:tgtEl>
-                                      </p:cBhvr>
-                                    </p:animEffect>
-                                  </p:childTnLst>
-                                </p:cTn>
-                              </p:par>
-                              <p:par>
-                                <p:cTn id="51" presetID="3" presetClass="entr" presetSubtype="10" fill="hold" grpId="0" nodeType="withEffect">
-                                  <p:stCondLst>
-                                    <p:cond delay="0"/>
-                                  </p:stCondLst>
-                                  <p:childTnLst>
-                                    <p:set>
-                                      <p:cBhvr>
-                                        <p:cTn id="52" dur="1" fill="hold">
-                                          <p:stCondLst>
-                                            <p:cond delay="0"/>
-                                          </p:stCondLst>
-                                        </p:cTn>
-                                        <p:tgtEl>
-                                          <p:spTgt spid="12"/>
-                                        </p:tgtEl>
-                                        <p:attrNameLst>
-                                          <p:attrName>style.visibility</p:attrName>
-                                        </p:attrNameLst>
-                                      </p:cBhvr>
-                                      <p:to>
-                                        <p:strVal val="visible"/>
-                                      </p:to>
-                                    </p:set>
-                                    <p:animEffect transition="in" filter="blinds(horizontal)">
-                                      <p:cBhvr>
-                                        <p:cTn id="53" dur="500"/>
-                                        <p:tgtEl>
-                                          <p:spTgt spid="12"/>
-                                        </p:tgtEl>
-                                      </p:cBhvr>
-                                    </p:animEffect>
-                                  </p:childTnLst>
-                                </p:cTn>
-                              </p:par>
-                            </p:childTnLst>
-                          </p:cTn>
-                        </p:par>
-                      </p:childTnLst>
-                    </p:cTn>
-                  </p:par>
-                  <p:par>
-                    <p:cTn id="54" fill="hold">
-                      <p:stCondLst>
-                        <p:cond delay="indefinite"/>
-                      </p:stCondLst>
-                      <p:childTnLst>
-                        <p:par>
-                          <p:cTn id="55" fill="hold">
-                            <p:stCondLst>
-                              <p:cond delay="0"/>
-                            </p:stCondLst>
-                            <p:childTnLst>
-                              <p:par>
-                                <p:cTn id="56" presetID="3" presetClass="entr" presetSubtype="10" fill="hold" nodeType="clickEffect">
-                                  <p:stCondLst>
-                                    <p:cond delay="0"/>
-                                  </p:stCondLst>
-                                  <p:childTnLst>
-                                    <p:set>
-                                      <p:cBhvr>
-                                        <p:cTn id="57" dur="1" fill="hold">
-                                          <p:stCondLst>
-                                            <p:cond delay="0"/>
-                                          </p:stCondLst>
-                                        </p:cTn>
-                                        <p:tgtEl>
-                                          <p:spTgt spid="34"/>
-                                        </p:tgtEl>
-                                        <p:attrNameLst>
-                                          <p:attrName>style.visibility</p:attrName>
-                                        </p:attrNameLst>
-                                      </p:cBhvr>
-                                      <p:to>
-                                        <p:strVal val="visible"/>
-                                      </p:to>
-                                    </p:set>
-                                    <p:animEffect transition="in" filter="blinds(horizontal)">
-                                      <p:cBhvr>
-                                        <p:cTn id="58" dur="500"/>
-                                        <p:tgtEl>
-                                          <p:spTgt spid="34"/>
-                                        </p:tgtEl>
-                                      </p:cBhvr>
-                                    </p:animEffect>
-                                  </p:childTnLst>
-                                </p:cTn>
-                              </p:par>
-                              <p:par>
-                                <p:cTn id="59" presetID="3" presetClass="entr" presetSubtype="10" fill="hold" grpId="0" nodeType="withEffect">
-                                  <p:stCondLst>
-                                    <p:cond delay="0"/>
-                                  </p:stCondLst>
-                                  <p:childTnLst>
-                                    <p:set>
-                                      <p:cBhvr>
-                                        <p:cTn id="60" dur="1" fill="hold">
-                                          <p:stCondLst>
-                                            <p:cond delay="0"/>
-                                          </p:stCondLst>
-                                        </p:cTn>
-                                        <p:tgtEl>
-                                          <p:spTgt spid="13"/>
-                                        </p:tgtEl>
-                                        <p:attrNameLst>
-                                          <p:attrName>style.visibility</p:attrName>
-                                        </p:attrNameLst>
-                                      </p:cBhvr>
-                                      <p:to>
-                                        <p:strVal val="visible"/>
-                                      </p:to>
-                                    </p:set>
-                                    <p:animEffect transition="in" filter="blinds(horizontal)">
-                                      <p:cBhvr>
-                                        <p:cTn id="61" dur="500"/>
-                                        <p:tgtEl>
-                                          <p:spTgt spid="13"/>
-                                        </p:tgtEl>
-                                      </p:cBhvr>
-                                    </p:animEffect>
-                                  </p:childTnLst>
-                                </p:cTn>
-                              </p:par>
-                            </p:childTnLst>
-                          </p:cTn>
-                        </p:par>
-                      </p:childTnLst>
-                    </p:cTn>
-                  </p:par>
-                  <p:par>
-                    <p:cTn id="62" fill="hold">
-                      <p:stCondLst>
-                        <p:cond delay="indefinite"/>
-                      </p:stCondLst>
-                      <p:childTnLst>
-                        <p:par>
-                          <p:cTn id="63" fill="hold">
-                            <p:stCondLst>
-                              <p:cond delay="0"/>
-                            </p:stCondLst>
-                            <p:childTnLst>
-                              <p:par>
-                                <p:cTn id="64" presetID="3" presetClass="entr" presetSubtype="10" fill="hold" nodeType="clickEffect">
-                                  <p:stCondLst>
-                                    <p:cond delay="0"/>
-                                  </p:stCondLst>
-                                  <p:childTnLst>
-                                    <p:set>
-                                      <p:cBhvr>
-                                        <p:cTn id="65" dur="1" fill="hold">
-                                          <p:stCondLst>
-                                            <p:cond delay="0"/>
-                                          </p:stCondLst>
-                                        </p:cTn>
-                                        <p:tgtEl>
-                                          <p:spTgt spid="36"/>
-                                        </p:tgtEl>
-                                        <p:attrNameLst>
-                                          <p:attrName>style.visibility</p:attrName>
-                                        </p:attrNameLst>
-                                      </p:cBhvr>
-                                      <p:to>
-                                        <p:strVal val="visible"/>
-                                      </p:to>
-                                    </p:set>
-                                    <p:animEffect transition="in" filter="blinds(horizontal)">
-                                      <p:cBhvr>
-                                        <p:cTn id="66" dur="500"/>
-                                        <p:tgtEl>
-                                          <p:spTgt spid="36"/>
-                                        </p:tgtEl>
-                                      </p:cBhvr>
-                                    </p:animEffect>
-                                  </p:childTnLst>
-                                </p:cTn>
-                              </p:par>
-                              <p:par>
-                                <p:cTn id="67" presetID="3" presetClass="entr" presetSubtype="10" fill="hold" nodeType="withEffect">
-                                  <p:stCondLst>
-                                    <p:cond delay="0"/>
-                                  </p:stCondLst>
-                                  <p:childTnLst>
-                                    <p:set>
-                                      <p:cBhvr>
-                                        <p:cTn id="68" dur="1" fill="hold">
-                                          <p:stCondLst>
-                                            <p:cond delay="0"/>
-                                          </p:stCondLst>
-                                        </p:cTn>
-                                        <p:tgtEl>
-                                          <p:spTgt spid="38"/>
-                                        </p:tgtEl>
-                                        <p:attrNameLst>
-                                          <p:attrName>style.visibility</p:attrName>
-                                        </p:attrNameLst>
-                                      </p:cBhvr>
-                                      <p:to>
-                                        <p:strVal val="visible"/>
-                                      </p:to>
-                                    </p:set>
-                                    <p:animEffect transition="in" filter="blinds(horizontal)">
-                                      <p:cBhvr>
-                                        <p:cTn id="69" dur="500"/>
-                                        <p:tgtEl>
-                                          <p:spTgt spid="38"/>
-                                        </p:tgtEl>
-                                      </p:cBhvr>
-                                    </p:animEffect>
-                                  </p:childTnLst>
-                                </p:cTn>
-                              </p:par>
-                              <p:par>
-                                <p:cTn id="70" presetID="3" presetClass="entr" presetSubtype="10" fill="hold" grpId="0" nodeType="withEffect">
-                                  <p:stCondLst>
-                                    <p:cond delay="0"/>
-                                  </p:stCondLst>
-                                  <p:childTnLst>
-                                    <p:set>
-                                      <p:cBhvr>
-                                        <p:cTn id="71" dur="1" fill="hold">
-                                          <p:stCondLst>
-                                            <p:cond delay="0"/>
-                                          </p:stCondLst>
-                                        </p:cTn>
-                                        <p:tgtEl>
-                                          <p:spTgt spid="14"/>
-                                        </p:tgtEl>
-                                        <p:attrNameLst>
-                                          <p:attrName>style.visibility</p:attrName>
-                                        </p:attrNameLst>
-                                      </p:cBhvr>
-                                      <p:to>
-                                        <p:strVal val="visible"/>
-                                      </p:to>
-                                    </p:set>
-                                    <p:animEffect transition="in" filter="blinds(horizontal)">
-                                      <p:cBhvr>
-                                        <p:cTn id="72" dur="500"/>
-                                        <p:tgtEl>
-                                          <p:spTgt spid="14"/>
-                                        </p:tgtEl>
-                                      </p:cBhvr>
-                                    </p:animEffect>
-                                  </p:childTnLst>
-                                </p:cTn>
-                              </p:par>
-                            </p:childTnLst>
-                          </p:cTn>
-                        </p:par>
-                      </p:childTnLst>
-                    </p:cTn>
-                  </p:par>
-                  <p:par>
-                    <p:cTn id="73" fill="hold">
-                      <p:stCondLst>
-                        <p:cond delay="indefinite"/>
-                      </p:stCondLst>
-                      <p:childTnLst>
-                        <p:par>
-                          <p:cTn id="74" fill="hold">
-                            <p:stCondLst>
-                              <p:cond delay="0"/>
-                            </p:stCondLst>
-                            <p:childTnLst>
-                              <p:par>
-                                <p:cTn id="75" presetID="3" presetClass="entr" presetSubtype="10" fill="hold" grpId="0" nodeType="clickEffect">
-                                  <p:stCondLst>
-                                    <p:cond delay="0"/>
-                                  </p:stCondLst>
-                                  <p:childTnLst>
-                                    <p:set>
-                                      <p:cBhvr>
-                                        <p:cTn id="76" dur="1" fill="hold">
-                                          <p:stCondLst>
-                                            <p:cond delay="0"/>
-                                          </p:stCondLst>
-                                        </p:cTn>
-                                        <p:tgtEl>
-                                          <p:spTgt spid="46"/>
-                                        </p:tgtEl>
-                                        <p:attrNameLst>
-                                          <p:attrName>style.visibility</p:attrName>
-                                        </p:attrNameLst>
-                                      </p:cBhvr>
-                                      <p:to>
-                                        <p:strVal val="visible"/>
-                                      </p:to>
-                                    </p:set>
-                                    <p:animEffect transition="in" filter="blinds(horizontal)">
-                                      <p:cBhvr>
-                                        <p:cTn id="77" dur="500"/>
-                                        <p:tgtEl>
-                                          <p:spTgt spid="46"/>
-                                        </p:tgtEl>
-                                      </p:cBhvr>
-                                    </p:animEffect>
-                                  </p:childTnLst>
-                                </p:cTn>
-                              </p:par>
-                              <p:par>
-                                <p:cTn id="78" presetID="3" presetClass="entr" presetSubtype="10" fill="hold" grpId="0" nodeType="withEffect">
-                                  <p:stCondLst>
-                                    <p:cond delay="0"/>
-                                  </p:stCondLst>
-                                  <p:childTnLst>
-                                    <p:set>
-                                      <p:cBhvr>
-                                        <p:cTn id="79" dur="1" fill="hold">
-                                          <p:stCondLst>
-                                            <p:cond delay="0"/>
-                                          </p:stCondLst>
-                                        </p:cTn>
-                                        <p:tgtEl>
-                                          <p:spTgt spid="45"/>
-                                        </p:tgtEl>
-                                        <p:attrNameLst>
-                                          <p:attrName>style.visibility</p:attrName>
-                                        </p:attrNameLst>
-                                      </p:cBhvr>
-                                      <p:to>
-                                        <p:strVal val="visible"/>
-                                      </p:to>
-                                    </p:set>
-                                    <p:animEffect transition="in" filter="blinds(horizontal)">
-                                      <p:cBhvr>
-                                        <p:cTn id="80" dur="500"/>
-                                        <p:tgtEl>
-                                          <p:spTgt spid="45"/>
-                                        </p:tgtEl>
-                                      </p:cBhvr>
-                                    </p:animEffect>
-                                  </p:childTnLst>
-                                </p:cTn>
-                              </p:par>
-                              <p:par>
-                                <p:cTn id="81" presetID="3" presetClass="entr" presetSubtype="10" fill="hold" grpId="0" nodeType="withEffect">
-                                  <p:stCondLst>
-                                    <p:cond delay="0"/>
-                                  </p:stCondLst>
-                                  <p:childTnLst>
-                                    <p:set>
-                                      <p:cBhvr>
-                                        <p:cTn id="82" dur="1" fill="hold">
-                                          <p:stCondLst>
-                                            <p:cond delay="0"/>
-                                          </p:stCondLst>
-                                        </p:cTn>
-                                        <p:tgtEl>
-                                          <p:spTgt spid="47"/>
-                                        </p:tgtEl>
-                                        <p:attrNameLst>
-                                          <p:attrName>style.visibility</p:attrName>
-                                        </p:attrNameLst>
-                                      </p:cBhvr>
-                                      <p:to>
-                                        <p:strVal val="visible"/>
-                                      </p:to>
-                                    </p:set>
-                                    <p:animEffect transition="in" filter="blinds(horizontal)">
-                                      <p:cBhvr>
-                                        <p:cTn id="83" dur="500"/>
-                                        <p:tgtEl>
-                                          <p:spTgt spid="47"/>
-                                        </p:tgtEl>
-                                      </p:cBhvr>
-                                    </p:animEffect>
-                                  </p:childTnLst>
-                                </p:cTn>
-                              </p:par>
-                              <p:par>
-                                <p:cTn id="84" presetID="3" presetClass="entr" presetSubtype="10" fill="hold" grpId="0" nodeType="withEffect">
-                                  <p:stCondLst>
-                                    <p:cond delay="0"/>
-                                  </p:stCondLst>
-                                  <p:childTnLst>
-                                    <p:set>
-                                      <p:cBhvr>
-                                        <p:cTn id="85" dur="1" fill="hold">
-                                          <p:stCondLst>
-                                            <p:cond delay="0"/>
-                                          </p:stCondLst>
-                                        </p:cTn>
-                                        <p:tgtEl>
-                                          <p:spTgt spid="48"/>
-                                        </p:tgtEl>
-                                        <p:attrNameLst>
-                                          <p:attrName>style.visibility</p:attrName>
-                                        </p:attrNameLst>
-                                      </p:cBhvr>
-                                      <p:to>
-                                        <p:strVal val="visible"/>
-                                      </p:to>
-                                    </p:set>
-                                    <p:animEffect transition="in" filter="blinds(horizontal)">
-                                      <p:cBhvr>
-                                        <p:cTn id="86" dur="500"/>
-                                        <p:tgtEl>
-                                          <p:spTgt spid="48"/>
-                                        </p:tgtEl>
-                                      </p:cBhvr>
-                                    </p:animEffect>
-                                  </p:childTnLst>
-                                </p:cTn>
-                              </p:par>
-                              <p:par>
-                                <p:cTn id="87" presetID="3" presetClass="entr" presetSubtype="10" fill="hold" grpId="0" nodeType="withEffect">
-                                  <p:stCondLst>
-                                    <p:cond delay="0"/>
-                                  </p:stCondLst>
-                                  <p:childTnLst>
-                                    <p:set>
-                                      <p:cBhvr>
-                                        <p:cTn id="88" dur="1" fill="hold">
-                                          <p:stCondLst>
-                                            <p:cond delay="0"/>
-                                          </p:stCondLst>
-                                        </p:cTn>
-                                        <p:tgtEl>
-                                          <p:spTgt spid="16"/>
-                                        </p:tgtEl>
-                                        <p:attrNameLst>
-                                          <p:attrName>style.visibility</p:attrName>
-                                        </p:attrNameLst>
-                                      </p:cBhvr>
-                                      <p:to>
-                                        <p:strVal val="visible"/>
-                                      </p:to>
-                                    </p:set>
-                                    <p:animEffect transition="in" filter="blinds(horizontal)">
-                                      <p:cBhvr>
-                                        <p:cTn id="89" dur="500"/>
-                                        <p:tgtEl>
-                                          <p:spTgt spid="16"/>
-                                        </p:tgtEl>
-                                      </p:cBhvr>
-                                    </p:animEffect>
-                                  </p:childTnLst>
-                                </p:cTn>
-                              </p:par>
-                            </p:childTnLst>
-                          </p:cTn>
-                        </p:par>
-                      </p:childTnLst>
-                    </p:cTn>
-                  </p:par>
-                  <p:par>
-                    <p:cTn id="90" fill="hold">
-                      <p:stCondLst>
-                        <p:cond delay="indefinite"/>
-                      </p:stCondLst>
-                      <p:childTnLst>
-                        <p:par>
-                          <p:cTn id="91" fill="hold">
-                            <p:stCondLst>
-                              <p:cond delay="0"/>
-                            </p:stCondLst>
-                            <p:childTnLst>
-                              <p:par>
-                                <p:cTn id="92" presetID="3" presetClass="entr" presetSubtype="10" fill="hold" grpId="0" nodeType="clickEffect">
-                                  <p:stCondLst>
-                                    <p:cond delay="0"/>
-                                  </p:stCondLst>
-                                  <p:childTnLst>
-                                    <p:set>
-                                      <p:cBhvr>
-                                        <p:cTn id="93" dur="1" fill="hold">
-                                          <p:stCondLst>
-                                            <p:cond delay="0"/>
-                                          </p:stCondLst>
-                                        </p:cTn>
-                                        <p:tgtEl>
-                                          <p:spTgt spid="42"/>
-                                        </p:tgtEl>
-                                        <p:attrNameLst>
-                                          <p:attrName>style.visibility</p:attrName>
-                                        </p:attrNameLst>
-                                      </p:cBhvr>
-                                      <p:to>
-                                        <p:strVal val="visible"/>
-                                      </p:to>
-                                    </p:set>
-                                    <p:animEffect transition="in" filter="blinds(horizontal)">
-                                      <p:cBhvr>
-                                        <p:cTn id="94" dur="500"/>
-                                        <p:tgtEl>
-                                          <p:spTgt spid="42"/>
-                                        </p:tgtEl>
-                                      </p:cBhvr>
-                                    </p:animEffect>
-                                  </p:childTnLst>
-                                </p:cTn>
-                              </p:par>
-                              <p:par>
-                                <p:cTn id="95" presetID="3" presetClass="entr" presetSubtype="10" fill="hold" grpId="0" nodeType="withEffect">
-                                  <p:stCondLst>
-                                    <p:cond delay="0"/>
-                                  </p:stCondLst>
-                                  <p:childTnLst>
-                                    <p:set>
-                                      <p:cBhvr>
-                                        <p:cTn id="96" dur="1" fill="hold">
-                                          <p:stCondLst>
-                                            <p:cond delay="0"/>
-                                          </p:stCondLst>
-                                        </p:cTn>
-                                        <p:tgtEl>
-                                          <p:spTgt spid="40"/>
-                                        </p:tgtEl>
-                                        <p:attrNameLst>
-                                          <p:attrName>style.visibility</p:attrName>
-                                        </p:attrNameLst>
-                                      </p:cBhvr>
-                                      <p:to>
-                                        <p:strVal val="visible"/>
-                                      </p:to>
-                                    </p:set>
-                                    <p:animEffect transition="in" filter="blinds(horizontal)">
-                                      <p:cBhvr>
-                                        <p:cTn id="97" dur="500"/>
-                                        <p:tgtEl>
-                                          <p:spTgt spid="40"/>
-                                        </p:tgtEl>
-                                      </p:cBhvr>
-                                    </p:animEffect>
-                                  </p:childTnLst>
-                                </p:cTn>
-                              </p:par>
-                              <p:par>
-                                <p:cTn id="98" presetID="3" presetClass="entr" presetSubtype="10" fill="hold" grpId="0" nodeType="withEffect">
-                                  <p:stCondLst>
-                                    <p:cond delay="0"/>
-                                  </p:stCondLst>
-                                  <p:childTnLst>
-                                    <p:set>
-                                      <p:cBhvr>
-                                        <p:cTn id="99" dur="1" fill="hold">
-                                          <p:stCondLst>
-                                            <p:cond delay="0"/>
-                                          </p:stCondLst>
-                                        </p:cTn>
-                                        <p:tgtEl>
-                                          <p:spTgt spid="43"/>
-                                        </p:tgtEl>
-                                        <p:attrNameLst>
-                                          <p:attrName>style.visibility</p:attrName>
-                                        </p:attrNameLst>
-                                      </p:cBhvr>
-                                      <p:to>
-                                        <p:strVal val="visible"/>
-                                      </p:to>
-                                    </p:set>
-                                    <p:animEffect transition="in" filter="blinds(horizontal)">
-                                      <p:cBhvr>
-                                        <p:cTn id="100" dur="500"/>
-                                        <p:tgtEl>
-                                          <p:spTgt spid="43"/>
-                                        </p:tgtEl>
-                                      </p:cBhvr>
-                                    </p:animEffect>
-                                  </p:childTnLst>
-                                </p:cTn>
-                              </p:par>
-                              <p:par>
-                                <p:cTn id="101" presetID="3" presetClass="entr" presetSubtype="10" fill="hold" grpId="0" nodeType="withEffect">
-                                  <p:stCondLst>
-                                    <p:cond delay="0"/>
-                                  </p:stCondLst>
-                                  <p:childTnLst>
-                                    <p:set>
-                                      <p:cBhvr>
-                                        <p:cTn id="102" dur="1" fill="hold">
-                                          <p:stCondLst>
-                                            <p:cond delay="0"/>
-                                          </p:stCondLst>
-                                        </p:cTn>
-                                        <p:tgtEl>
-                                          <p:spTgt spid="44"/>
-                                        </p:tgtEl>
-                                        <p:attrNameLst>
-                                          <p:attrName>style.visibility</p:attrName>
-                                        </p:attrNameLst>
-                                      </p:cBhvr>
-                                      <p:to>
-                                        <p:strVal val="visible"/>
-                                      </p:to>
-                                    </p:set>
-                                    <p:animEffect transition="in" filter="blinds(horizontal)">
-                                      <p:cBhvr>
-                                        <p:cTn id="103" dur="500"/>
-                                        <p:tgtEl>
-                                          <p:spTgt spid="44"/>
-                                        </p:tgtEl>
-                                      </p:cBhvr>
-                                    </p:animEffect>
-                                  </p:childTnLst>
-                                </p:cTn>
-                              </p:par>
-                              <p:par>
-                                <p:cTn id="104" presetID="3" presetClass="entr" presetSubtype="10" fill="hold" grpId="0" nodeType="withEffect">
-                                  <p:stCondLst>
-                                    <p:cond delay="0"/>
-                                  </p:stCondLst>
-                                  <p:childTnLst>
-                                    <p:set>
-                                      <p:cBhvr>
-                                        <p:cTn id="105" dur="1" fill="hold">
-                                          <p:stCondLst>
-                                            <p:cond delay="0"/>
-                                          </p:stCondLst>
-                                        </p:cTn>
-                                        <p:tgtEl>
-                                          <p:spTgt spid="15"/>
-                                        </p:tgtEl>
-                                        <p:attrNameLst>
-                                          <p:attrName>style.visibility</p:attrName>
-                                        </p:attrNameLst>
-                                      </p:cBhvr>
-                                      <p:to>
-                                        <p:strVal val="visible"/>
-                                      </p:to>
-                                    </p:set>
-                                    <p:animEffect transition="in" filter="blinds(horizontal)">
-                                      <p:cBhvr>
-                                        <p:cTn id="106" dur="500"/>
-                                        <p:tgtEl>
-                                          <p:spTgt spid="15"/>
-                                        </p:tgtEl>
-                                      </p:cBhvr>
-                                    </p:animEffect>
-                                  </p:childTnLst>
-                                </p:cTn>
-                              </p:par>
-                            </p:childTnLst>
-                          </p:cTn>
-                        </p:par>
-                      </p:childTnLst>
-                    </p:cTn>
-                  </p:par>
-                </p:childTnLst>
-              </p:cTn>
-              <p:prevCondLst>
-                <p:cond evt="onPrev" delay="0">
-                  <p:tgtEl>
-                    <p:sldTgt/>
-                  </p:tgtEl>
-                </p:cond>
-              </p:prevCondLst>
-              <p:nextCondLst>
-                <p:cond evt="onNext" delay="0">
-                  <p:tgtEl>
-                    <p:sldTgt/>
-                  </p:tgtEl>
-                </p:cond>
-              </p:nextCondLst>
-            </p:seq>
-          </p:childTnLst>
-        </p:cTn>
+        <p:cTn id="1" dur="indefinite" restart="never" nodeType="tmRoot"/>
       </p:par>
     </p:tnLst>
-    <p:bldLst>
-      <p:bldP spid="6" grpId="0" bldLvl="0" animBg="1"/>
-      <p:bldP spid="7" grpId="0" bldLvl="0" animBg="1"/>
-      <p:bldP spid="8" grpId="0" bldLvl="0" animBg="1"/>
-      <p:bldP spid="9" grpId="0" bldLvl="0" animBg="1"/>
-      <p:bldP spid="10" grpId="0" bldLvl="0" animBg="1"/>
-      <p:bldP spid="12" grpId="0" bldLvl="0" animBg="1"/>
-      <p:bldP spid="13" grpId="0" bldLvl="0" animBg="1"/>
-      <p:bldP spid="14" grpId="0" bldLvl="0" animBg="1"/>
-      <p:bldP spid="15" grpId="0" bldLvl="0" animBg="1"/>
-      <p:bldP spid="16" grpId="0" bldLvl="0" animBg="1"/>
-      <p:bldP spid="40" grpId="0" bldLvl="0" animBg="1"/>
-      <p:bldP spid="42" grpId="0" bldLvl="0" animBg="1"/>
-      <p:bldP spid="43" grpId="0" bldLvl="0" animBg="1"/>
-      <p:bldP spid="44" grpId="0" bldLvl="0" animBg="1"/>
-      <p:bldP spid="45" grpId="0" bldLvl="0" animBg="1"/>
-      <p:bldP spid="46" grpId="0" bldLvl="0" animBg="1"/>
-      <p:bldP spid="47" grpId="0" bldLvl="0" animBg="1"/>
-      <p:bldP spid="48" grpId="0" bldLvl="0" animBg="1"/>
-    </p:bldLst>
   </p:timing>
 </p:sld>
 </file>

--- a/materials/slides/ch03-7.pptx
+++ b/materials/slides/ch03-7.pptx
@@ -10529,21 +10529,9 @@
           <a:lstStyle/>
           <a:p>
             <a:r>
-              <a:rPr lang="zh-CN" altLang="en-US" sz="2400" dirty="0" smtClean="0"/>
-              <a:t>买卖方的风险分担由合同类型决定。通常，人们比较喜欢固定总价合同，但在有些情况下，其他某种合同类型可能对项目更加有利</a:t>
-            </a:r>
-            <a:endParaRPr lang="en-US" altLang="zh-CN" sz="2400" dirty="0" smtClean="0"/>
-          </a:p>
-          <a:p>
-            <a:r>
-              <a:rPr lang="zh-CN" altLang="en-US" sz="2400" dirty="0" smtClean="0"/>
-              <a:t>选择的合同类型以及具体的合同条款和条件，决定着买卖双方各自承担的风险水平</a:t>
-            </a:r>
-            <a:endParaRPr lang="en-US" altLang="zh-CN" sz="2400" dirty="0" smtClean="0"/>
-          </a:p>
-          <a:p>
-            <a:r>
-              <a:rPr lang="zh-CN" altLang="en-US" sz="2400" dirty="0" smtClean="0"/>
+              <a:rPr lang="zh-CN" altLang="en-US" sz="2400" dirty="0" smtClean="0">
+                <a:sym typeface="+mn-ea"/>
+              </a:rPr>
               <a:t>通常可把合同分为两大类，即</a:t>
             </a:r>
             <a:r>
@@ -10551,11 +10539,14 @@
                 <a:solidFill>
                   <a:srgbClr val="FF0000"/>
                 </a:solidFill>
+                <a:sym typeface="+mn-ea"/>
               </a:rPr>
               <a:t>总价</a:t>
             </a:r>
             <a:r>
-              <a:rPr lang="zh-CN" altLang="en-US" sz="2400" dirty="0" smtClean="0"/>
+              <a:rPr lang="zh-CN" altLang="en-US" sz="2400" dirty="0" smtClean="0">
+                <a:sym typeface="+mn-ea"/>
+              </a:rPr>
               <a:t>和</a:t>
             </a:r>
             <a:r>
@@ -10563,12 +10554,29 @@
                 <a:solidFill>
                   <a:srgbClr val="FF0000"/>
                 </a:solidFill>
+                <a:sym typeface="+mn-ea"/>
               </a:rPr>
               <a:t>成本补偿</a:t>
             </a:r>
             <a:r>
+              <a:rPr lang="zh-CN" altLang="en-US" sz="2400" dirty="0" smtClean="0">
+                <a:sym typeface="+mn-ea"/>
+              </a:rPr>
+              <a:t>类</a:t>
+            </a:r>
+            <a:endParaRPr lang="zh-CN" altLang="en-US" sz="2400" dirty="0" smtClean="0"/>
+          </a:p>
+          <a:p>
+            <a:r>
               <a:rPr lang="zh-CN" altLang="en-US" sz="2400" dirty="0" smtClean="0"/>
-              <a:t>类</a:t>
+              <a:t>买卖方的风险分担由合同类型决定。通常，人们比较喜欢固定总价合同，但在有些情况下，其他某种合同类型可能对项目更加有利</a:t>
+            </a:r>
+            <a:endParaRPr lang="en-US" altLang="zh-CN" sz="2400" dirty="0" smtClean="0"/>
+          </a:p>
+          <a:p>
+            <a:r>
+              <a:rPr lang="zh-CN" altLang="en-US" sz="2400" dirty="0" smtClean="0"/>
+              <a:t>选择的合同类型以及具体的合同条款和条件，决定着买卖双方各自承担的风险水平</a:t>
             </a:r>
             <a:endParaRPr lang="en-US" altLang="zh-CN" sz="2400" dirty="0" smtClean="0"/>
           </a:p>
